--- a/191203 - ESPC @Prague/T30 - Full-Text Search with Azure Search and SQL Database.pptx
+++ b/191203 - ESPC @Prague/T30 - Full-Text Search with Azure Search and SQL Database.pptx
@@ -634,7 +634,7 @@
           <a:p>
             <a:fld id="{8DB4B101-3225-4967-95B5-ED5755256DE0}" type="datetimeFigureOut">
               <a:rPr lang="en-GB" smtClean="0"/>
-              <a:t>20/09/2019</a:t>
+              <a:t>02/12/2019</a:t>
             </a:fld>
             <a:endParaRPr lang="en-GB"/>
           </a:p>
@@ -2644,7 +2644,7 @@
             <a:fld id="{87DE6118-2437-4B30-8E3C-4D2BE6020583}" type="datetimeFigureOut">
               <a:rPr lang="en-US" dirty="0"/>
               <a:pPr/>
-              <a:t>9/20/2019</a:t>
+              <a:t>12/2/2019</a:t>
             </a:fld>
             <a:endParaRPr lang="en-US" dirty="0"/>
           </a:p>
@@ -3369,7 +3369,7 @@
           <p:nvPr/>
         </p:nvPicPr>
         <p:blipFill>
-          <a:blip r:embed="rId4">
+          <a:blip r:embed="rId4" cstate="print">
             <a:extLst>
               <a:ext uri="{28A0092B-C50C-407E-A947-70E740481C1C}">
                 <a14:useLocalDpi xmlns:a14="http://schemas.microsoft.com/office/drawing/2010/main" val="0"/>
@@ -3557,6 +3557,9 @@
           <a:prstGeom prst="rect">
             <a:avLst/>
           </a:prstGeom>
+          <a:solidFill>
+            <a:schemeClr val="bg1"/>
+          </a:solidFill>
         </p:spPr>
         <p:txBody>
           <a:bodyPr>
@@ -4202,12 +4205,15 @@
         </p:nvSpPr>
         <p:spPr>
           <a:xfrm>
-            <a:off x="7518400" y="4027716"/>
+            <a:off x="8247743" y="4237722"/>
             <a:ext cx="2468880" cy="1200329"/>
           </a:xfrm>
           <a:prstGeom prst="rect">
             <a:avLst/>
           </a:prstGeom>
+          <a:solidFill>
+            <a:schemeClr val="bg1"/>
+          </a:solidFill>
         </p:spPr>
         <p:txBody>
           <a:bodyPr wrap="square">
@@ -5561,6 +5567,15 @@
 </file>
 
 <file path=customXml/item2.xml><?xml version="1.0" encoding="utf-8"?>
+<?mso-contentType ?>
+<FormTemplates xmlns="http://schemas.microsoft.com/sharepoint/v3/contenttype/forms">
+  <Display>DocumentLibraryForm</Display>
+  <Edit>DocumentLibraryForm</Edit>
+  <New>DocumentLibraryForm</New>
+</FormTemplates>
+</file>
+
+<file path=customXml/item3.xml><?xml version="1.0" encoding="utf-8"?>
 <ct:contentTypeSchema xmlns:ct="http://schemas.microsoft.com/office/2006/metadata/contentType" xmlns:ma="http://schemas.microsoft.com/office/2006/metadata/properties/metaAttributes" ct:_="" ma:_="" ma:contentTypeName="Document" ma:contentTypeID="0x0101009739DC32C683A344AF9D26E5E060F0BE" ma:contentTypeVersion="10" ma:contentTypeDescription="Create a new document." ma:contentTypeScope="" ma:versionID="c78397abe0f61806ed36475303d05b97">
   <xsd:schema xmlns:xsd="http://www.w3.org/2001/XMLSchema" xmlns:xs="http://www.w3.org/2001/XMLSchema" xmlns:p="http://schemas.microsoft.com/office/2006/metadata/properties" xmlns:ns2="ae2e30fd-9f41-4b5e-b9b1-36eb52ce2145" xmlns:ns3="cc99426d-c61e-484c-890d-1f685ac8a9b6" targetNamespace="http://schemas.microsoft.com/office/2006/metadata/properties" ma:root="true" ma:fieldsID="4243acd11fee28cb6a3dc97504248037" ns2:_="" ns3:_="">
     <xsd:import namespace="ae2e30fd-9f41-4b5e-b9b1-36eb52ce2145"/>
@@ -5763,15 +5778,6 @@
 </ct:contentTypeSchema>
 </file>
 
-<file path=customXml/item3.xml><?xml version="1.0" encoding="utf-8"?>
-<?mso-contentType ?>
-<FormTemplates xmlns="http://schemas.microsoft.com/sharepoint/v3/contenttype/forms">
-  <Display>DocumentLibraryForm</Display>
-  <Edit>DocumentLibraryForm</Edit>
-  <New>DocumentLibraryForm</New>
-</FormTemplates>
-</file>
-
 <file path=customXml/itemProps1.xml><?xml version="1.0" encoding="utf-8"?>
 <ds:datastoreItem xmlns:ds="http://schemas.openxmlformats.org/officeDocument/2006/customXml" ds:itemID="{D05C0892-D583-430B-AD43-D1A4EB1EE043}">
   <ds:schemaRefs>
@@ -5783,6 +5789,14 @@
 </file>
 
 <file path=customXml/itemProps2.xml><?xml version="1.0" encoding="utf-8"?>
+<ds:datastoreItem xmlns:ds="http://schemas.openxmlformats.org/officeDocument/2006/customXml" ds:itemID="{B6782FBD-C4AD-49F1-B11B-703DF9FAD87C}">
+  <ds:schemaRefs>
+    <ds:schemaRef ds:uri="http://schemas.microsoft.com/sharepoint/v3/contenttype/forms"/>
+  </ds:schemaRefs>
+</ds:datastoreItem>
+</file>
+
+<file path=customXml/itemProps3.xml><?xml version="1.0" encoding="utf-8"?>
 <ds:datastoreItem xmlns:ds="http://schemas.openxmlformats.org/officeDocument/2006/customXml" ds:itemID="{1492534B-8666-48B2-BF52-FA1C4BA83A3C}">
   <ds:schemaRefs>
     <ds:schemaRef ds:uri="http://schemas.microsoft.com/office/2006/metadata/contentType"/>
@@ -5799,12 +5813,4 @@
     <ds:schemaRef ds:uri="http://schemas.microsoft.com/internal/obd"/>
   </ds:schemaRefs>
 </ds:datastoreItem>
-</file>
-
-<file path=customXml/itemProps3.xml><?xml version="1.0" encoding="utf-8"?>
-<ds:datastoreItem xmlns:ds="http://schemas.openxmlformats.org/officeDocument/2006/customXml" ds:itemID="{B6782FBD-C4AD-49F1-B11B-703DF9FAD87C}">
-  <ds:schemaRefs>
-    <ds:schemaRef ds:uri="http://schemas.microsoft.com/sharepoint/v3/contenttype/forms"/>
-  </ds:schemaRefs>
-</ds:datastoreItem>
 </file>